--- a/DAPP_final.pptx
+++ b/DAPP_final.pptx
@@ -15,8 +15,9 @@
     <p:sldId id="270" r:id="rId9"/>
     <p:sldId id="267" r:id="rId10"/>
     <p:sldId id="268" r:id="rId11"/>
-    <p:sldId id="265" r:id="rId12"/>
-    <p:sldId id="264" r:id="rId13"/>
+    <p:sldId id="272" r:id="rId12"/>
+    <p:sldId id="265" r:id="rId13"/>
+    <p:sldId id="264" r:id="rId14"/>
   </p:sldIdLst>
   <p:sldSz cx="12192000" cy="6858000"/>
   <p:notesSz cx="6858000" cy="9144000"/>
@@ -115,6 +116,11 @@
       </a:defRPr>
     </a:lvl9pPr>
   </p:defaultTextStyle>
+  <p:extLst>
+    <p:ext uri="{EFAFB233-063F-42B5-8137-9DF3F51BA10A}">
+      <p15:sldGuideLst xmlns:p15="http://schemas.microsoft.com/office/powerpoint/2012/main"/>
+    </p:ext>
+  </p:extLst>
 </p:presentation>
 </file>
 
@@ -3745,6 +3751,147 @@
           <p:cNvPr id="2" name="제목 1">
             <a:extLst>
               <a:ext uri="{FF2B5EF4-FFF2-40B4-BE49-F238E27FC236}">
+                <a16:creationId xmlns:a16="http://schemas.microsoft.com/office/drawing/2014/main" id="{E0F26610-C18D-4EF1-A769-4F7E69F4025B}"/>
+              </a:ext>
+            </a:extLst>
+          </p:cNvPr>
+          <p:cNvSpPr>
+            <a:spLocks noGrp="1"/>
+          </p:cNvSpPr>
+          <p:nvPr>
+            <p:ph type="title"/>
+          </p:nvPr>
+        </p:nvSpPr>
+        <p:spPr/>
+        <p:txBody>
+          <a:bodyPr/>
+          <a:lstStyle/>
+          <a:p>
+            <a:r>
+              <a:rPr lang="ko-KR" altLang="en-US" dirty="0">
+                <a:latin typeface="210 콤퓨타세탁 B" panose="02020603020101020101" pitchFamily="18" charset="-127"/>
+                <a:ea typeface="210 콤퓨타세탁 B" panose="02020603020101020101" pitchFamily="18" charset="-127"/>
+              </a:rPr>
+              <a:t>그냥</a:t>
+            </a:r>
+            <a:r>
+              <a:rPr lang="en-US" altLang="ko-KR" dirty="0">
+                <a:latin typeface="210 콤퓨타세탁 B" panose="02020603020101020101" pitchFamily="18" charset="-127"/>
+                <a:ea typeface="210 콤퓨타세탁 B" panose="02020603020101020101" pitchFamily="18" charset="-127"/>
+              </a:rPr>
+              <a:t>- </a:t>
+            </a:r>
+            <a:r>
+              <a:rPr lang="ko-KR" altLang="en-US" dirty="0">
+                <a:latin typeface="210 콤퓨타세탁 B" panose="02020603020101020101" pitchFamily="18" charset="-127"/>
+                <a:ea typeface="210 콤퓨타세탁 B" panose="02020603020101020101" pitchFamily="18" charset="-127"/>
+              </a:rPr>
+              <a:t>안드로이드</a:t>
+            </a:r>
+          </a:p>
+        </p:txBody>
+      </p:sp>
+      <p:sp>
+        <p:nvSpPr>
+          <p:cNvPr id="3" name="내용 개체 틀 2">
+            <a:extLst>
+              <a:ext uri="{FF2B5EF4-FFF2-40B4-BE49-F238E27FC236}">
+                <a16:creationId xmlns:a16="http://schemas.microsoft.com/office/drawing/2014/main" id="{B948F957-AF08-4AAE-993C-C443E4E28F36}"/>
+              </a:ext>
+            </a:extLst>
+          </p:cNvPr>
+          <p:cNvSpPr>
+            <a:spLocks noGrp="1"/>
+          </p:cNvSpPr>
+          <p:nvPr>
+            <p:ph idx="1"/>
+          </p:nvPr>
+        </p:nvSpPr>
+        <p:spPr>
+          <a:xfrm>
+            <a:off x="838200" y="1825625"/>
+            <a:ext cx="10515600" cy="4351338"/>
+          </a:xfrm>
+        </p:spPr>
+        <p:txBody>
+          <a:bodyPr/>
+          <a:lstStyle/>
+          <a:p>
+            <a:pPr marL="0" indent="0" algn="ctr">
+              <a:buNone/>
+            </a:pPr>
+            <a:endParaRPr lang="ko-KR" altLang="en-US" dirty="0">
+              <a:latin typeface="210 콤퓨타세탁 L" panose="02020603020101020101" pitchFamily="18" charset="-127"/>
+              <a:ea typeface="210 콤퓨타세탁 L" panose="02020603020101020101" pitchFamily="18" charset="-127"/>
+            </a:endParaRPr>
+          </a:p>
+        </p:txBody>
+      </p:sp>
+      <p:pic>
+        <p:nvPicPr>
+          <p:cNvPr id="4" name="그림 3">
+            <a:extLst>
+              <a:ext uri="{FF2B5EF4-FFF2-40B4-BE49-F238E27FC236}">
+                <a16:creationId xmlns:a16="http://schemas.microsoft.com/office/drawing/2014/main" id="{045F9EC4-9BCC-41B5-A5AC-2414BE4F8C5E}"/>
+              </a:ext>
+            </a:extLst>
+          </p:cNvPr>
+          <p:cNvPicPr>
+            <a:picLocks noChangeAspect="1"/>
+          </p:cNvPicPr>
+          <p:nvPr/>
+        </p:nvPicPr>
+        <p:blipFill>
+          <a:blip r:embed="rId2"/>
+          <a:stretch>
+            <a:fillRect/>
+          </a:stretch>
+        </p:blipFill>
+        <p:spPr>
+          <a:xfrm>
+            <a:off x="0" y="0"/>
+            <a:ext cx="12192000" cy="6858000"/>
+          </a:xfrm>
+          <a:prstGeom prst="rect">
+            <a:avLst/>
+          </a:prstGeom>
+        </p:spPr>
+      </p:pic>
+    </p:spTree>
+    <p:extLst>
+      <p:ext uri="{BB962C8B-B14F-4D97-AF65-F5344CB8AC3E}">
+        <p14:creationId xmlns:p14="http://schemas.microsoft.com/office/powerpoint/2010/main" val="1853301472"/>
+      </p:ext>
+    </p:extLst>
+  </p:cSld>
+  <p:clrMapOvr>
+    <a:masterClrMapping/>
+  </p:clrMapOvr>
+</p:sld>
+</file>
+
+<file path=ppt/slides/slide12.xml><?xml version="1.0" encoding="utf-8"?>
+<p:sld xmlns:a="http://schemas.openxmlformats.org/drawingml/2006/main" xmlns:r="http://schemas.openxmlformats.org/officeDocument/2006/relationships" xmlns:p="http://schemas.openxmlformats.org/presentationml/2006/main">
+  <p:cSld>
+    <p:spTree>
+      <p:nvGrpSpPr>
+        <p:cNvPr id="1" name=""/>
+        <p:cNvGrpSpPr/>
+        <p:nvPr/>
+      </p:nvGrpSpPr>
+      <p:grpSpPr>
+        <a:xfrm>
+          <a:off x="0" y="0"/>
+          <a:ext cx="0" cy="0"/>
+          <a:chOff x="0" y="0"/>
+          <a:chExt cx="0" cy="0"/>
+        </a:xfrm>
+      </p:grpSpPr>
+      <p:sp>
+        <p:nvSpPr>
+          <p:cNvPr id="2" name="제목 1">
+            <a:extLst>
+              <a:ext uri="{FF2B5EF4-FFF2-40B4-BE49-F238E27FC236}">
                 <a16:creationId xmlns:a16="http://schemas.microsoft.com/office/drawing/2014/main" id="{9EBA771D-8927-4205-936B-55F47BB9F2A0}"/>
               </a:ext>
             </a:extLst>
@@ -4127,7 +4274,7 @@
 </p:sld>
 </file>
 
-<file path=ppt/slides/slide12.xml><?xml version="1.0" encoding="utf-8"?>
+<file path=ppt/slides/slide13.xml><?xml version="1.0" encoding="utf-8"?>
 <p:sld xmlns:a="http://schemas.openxmlformats.org/drawingml/2006/main" xmlns:r="http://schemas.openxmlformats.org/officeDocument/2006/relationships" xmlns:p="http://schemas.openxmlformats.org/presentationml/2006/main">
   <p:cSld>
     <p:spTree>

--- a/DAPP_final.pptx
+++ b/DAPP_final.pptx
@@ -1,6 +1,6 @@
 
 <file path=ppt/presentation.xml><?xml version="1.0" encoding="utf-8"?>
-<p:presentation xmlns:a="http://schemas.openxmlformats.org/drawingml/2006/main" xmlns:r="http://schemas.openxmlformats.org/officeDocument/2006/relationships" xmlns:p="http://schemas.openxmlformats.org/presentationml/2006/main" saveSubsetFonts="1">
+<p:presentation xmlns:a="http://schemas.openxmlformats.org/drawingml/2006/main" xmlns:r="http://schemas.openxmlformats.org/officeDocument/2006/relationships" xmlns:p="http://schemas.openxmlformats.org/presentationml/2006/main" embedTrueTypeFonts="1" saveSubsetFonts="1">
   <p:sldMasterIdLst>
     <p:sldMasterId id="2147483648" r:id="rId1"/>
   </p:sldMasterIdLst>
@@ -15,12 +15,33 @@
     <p:sldId id="270" r:id="rId9"/>
     <p:sldId id="267" r:id="rId10"/>
     <p:sldId id="268" r:id="rId11"/>
-    <p:sldId id="272" r:id="rId12"/>
-    <p:sldId id="265" r:id="rId13"/>
-    <p:sldId id="264" r:id="rId14"/>
+    <p:sldId id="273" r:id="rId12"/>
+    <p:sldId id="272" r:id="rId13"/>
+    <p:sldId id="265" r:id="rId14"/>
+    <p:sldId id="264" r:id="rId15"/>
   </p:sldIdLst>
   <p:sldSz cx="12192000" cy="6858000"/>
   <p:notesSz cx="6858000" cy="9144000"/>
+  <p:embeddedFontLst>
+    <p:embeddedFont>
+      <p:font typeface="210 콤퓨타세탁 B" panose="02020603020101020101" pitchFamily="18" charset="-127"/>
+      <p:regular r:id="rId16"/>
+    </p:embeddedFont>
+    <p:embeddedFont>
+      <p:font typeface="210 콤퓨타세탁 L" panose="02020603020101020101" pitchFamily="18" charset="-127"/>
+      <p:regular r:id="rId17"/>
+    </p:embeddedFont>
+    <p:embeddedFont>
+      <p:font typeface="D2Coding" panose="020B0609020101020101" pitchFamily="49" charset="-127"/>
+      <p:regular r:id="rId18"/>
+      <p:bold r:id="rId19"/>
+    </p:embeddedFont>
+    <p:embeddedFont>
+      <p:font typeface="맑은 고딕" panose="020B0503020000020004" pitchFamily="50" charset="-127"/>
+      <p:regular r:id="rId20"/>
+      <p:bold r:id="rId21"/>
+    </p:embeddedFont>
+  </p:embeddedFontLst>
   <p:defaultTextStyle>
     <a:defPPr>
       <a:defRPr lang="ko-KR"/>
@@ -3732,6 +3753,926 @@
 <file path=ppt/slides/slide11.xml><?xml version="1.0" encoding="utf-8"?>
 <p:sld xmlns:a="http://schemas.openxmlformats.org/drawingml/2006/main" xmlns:r="http://schemas.openxmlformats.org/officeDocument/2006/relationships" xmlns:p="http://schemas.openxmlformats.org/presentationml/2006/main">
   <p:cSld>
+    <p:bg>
+      <p:bgPr>
+        <a:solidFill>
+          <a:schemeClr val="bg1"/>
+        </a:solidFill>
+        <a:effectLst/>
+      </p:bgPr>
+    </p:bg>
+    <p:spTree>
+      <p:nvGrpSpPr>
+        <p:cNvPr id="1" name=""/>
+        <p:cNvGrpSpPr/>
+        <p:nvPr/>
+      </p:nvGrpSpPr>
+      <p:grpSpPr>
+        <a:xfrm>
+          <a:off x="0" y="0"/>
+          <a:ext cx="0" cy="0"/>
+          <a:chOff x="0" y="0"/>
+          <a:chExt cx="0" cy="0"/>
+        </a:xfrm>
+      </p:grpSpPr>
+      <p:sp>
+        <p:nvSpPr>
+          <p:cNvPr id="20" name="Rectangle 19">
+            <a:extLst>
+              <a:ext uri="{FF2B5EF4-FFF2-40B4-BE49-F238E27FC236}">
+                <a16:creationId xmlns:a16="http://schemas.microsoft.com/office/drawing/2014/main" id="{AB45A142-4255-493C-8284-5D566C121B10}"/>
+              </a:ext>
+              <a:ext uri="{C183D7F6-B498-43B3-948B-1728B52AA6E4}">
+                <adec:decorative xmlns:adec="http://schemas.microsoft.com/office/drawing/2017/decorative" val="1"/>
+              </a:ext>
+            </a:extLst>
+          </p:cNvPr>
+          <p:cNvSpPr>
+            <a:spLocks noGrp="1" noRot="1" noChangeAspect="1" noMove="1" noResize="1" noEditPoints="1" noAdjustHandles="1" noChangeArrowheads="1" noChangeShapeType="1" noTextEdit="1"/>
+          </p:cNvSpPr>
+          <p:nvPr>
+            <p:extLst>
+              <p:ext uri="{386F3935-93C4-4BCD-93E2-E3B085C9AB24}">
+                <p16:designElem xmlns:p16="http://schemas.microsoft.com/office/powerpoint/2015/main" val="1"/>
+              </p:ext>
+            </p:extLst>
+          </p:nvPr>
+        </p:nvSpPr>
+        <p:spPr bwMode="ltGray">
+          <a:xfrm>
+            <a:off x="336884" y="321177"/>
+            <a:ext cx="4332307" cy="6179552"/>
+          </a:xfrm>
+          <a:prstGeom prst="rect">
+            <a:avLst/>
+          </a:prstGeom>
+          <a:solidFill>
+            <a:srgbClr val="404040">
+              <a:alpha val="89804"/>
+            </a:srgbClr>
+          </a:solidFill>
+          <a:ln w="127000" cap="sq" cmpd="thinThick">
+            <a:solidFill>
+              <a:srgbClr val="595959">
+                <a:alpha val="80000"/>
+              </a:srgbClr>
+            </a:solidFill>
+          </a:ln>
+        </p:spPr>
+        <p:style>
+          <a:lnRef idx="2">
+            <a:schemeClr val="accent1">
+              <a:shade val="50000"/>
+            </a:schemeClr>
+          </a:lnRef>
+          <a:fillRef idx="1">
+            <a:schemeClr val="accent1"/>
+          </a:fillRef>
+          <a:effectRef idx="0">
+            <a:schemeClr val="accent1"/>
+          </a:effectRef>
+          <a:fontRef idx="minor">
+            <a:schemeClr val="lt1"/>
+          </a:fontRef>
+        </p:style>
+        <p:txBody>
+          <a:bodyPr rtlCol="0" anchor="ctr"/>
+          <a:lstStyle/>
+          <a:p>
+            <a:pPr marL="0" marR="0" lvl="0" indent="0" algn="ctr" defTabSz="914400" rtl="0" eaLnBrk="1" fontAlgn="auto" latinLnBrk="1" hangingPunct="1">
+              <a:lnSpc>
+                <a:spcPct val="100000"/>
+              </a:lnSpc>
+              <a:spcBef>
+                <a:spcPts val="0"/>
+              </a:spcBef>
+              <a:spcAft>
+                <a:spcPts val="0"/>
+              </a:spcAft>
+              <a:buClrTx/>
+              <a:buSzTx/>
+              <a:buFontTx/>
+              <a:buNone/>
+              <a:tabLst/>
+              <a:defRPr/>
+            </a:pPr>
+            <a:endParaRPr kumimoji="0" lang="en-US" sz="1800" b="0" i="0" u="none" strike="noStrike" kern="1200" cap="none" spc="0" normalizeH="0" baseline="0" noProof="0">
+              <a:ln>
+                <a:noFill/>
+              </a:ln>
+              <a:solidFill>
+                <a:prstClr val="white"/>
+              </a:solidFill>
+              <a:effectLst/>
+              <a:uLnTx/>
+              <a:uFillTx/>
+              <a:latin typeface="맑은 고딕" panose="020F0502020204030204"/>
+              <a:ea typeface="+mn-ea"/>
+              <a:cs typeface="+mn-cs"/>
+            </a:endParaRPr>
+          </a:p>
+        </p:txBody>
+      </p:sp>
+      <p:sp>
+        <p:nvSpPr>
+          <p:cNvPr id="2" name="제목 1">
+            <a:extLst>
+              <a:ext uri="{FF2B5EF4-FFF2-40B4-BE49-F238E27FC236}">
+                <a16:creationId xmlns:a16="http://schemas.microsoft.com/office/drawing/2014/main" id="{92BF327E-1022-4D7C-9A9A-F7E8CAC6B24F}"/>
+              </a:ext>
+            </a:extLst>
+          </p:cNvPr>
+          <p:cNvSpPr>
+            <a:spLocks noGrp="1"/>
+          </p:cNvSpPr>
+          <p:nvPr>
+            <p:ph type="title"/>
+          </p:nvPr>
+        </p:nvSpPr>
+        <p:spPr>
+          <a:xfrm>
+            <a:off x="674237" y="914400"/>
+            <a:ext cx="3657600" cy="2887579"/>
+          </a:xfrm>
+        </p:spPr>
+        <p:txBody>
+          <a:bodyPr vert="horz" lIns="91440" tIns="45720" rIns="91440" bIns="45720" rtlCol="0" anchor="b">
+            <a:normAutofit/>
+          </a:bodyPr>
+          <a:lstStyle/>
+          <a:p>
+            <a:pPr algn="ctr" latinLnBrk="0"/>
+            <a:r>
+              <a:rPr lang="en-US" altLang="ko-KR" sz="4800" kern="1200">
+                <a:solidFill>
+                  <a:srgbClr val="FFFFFF"/>
+                </a:solidFill>
+                <a:latin typeface="+mj-lt"/>
+                <a:ea typeface="+mj-ea"/>
+                <a:cs typeface="+mj-cs"/>
+              </a:rPr>
+              <a:t>SAMPLE CODE</a:t>
+            </a:r>
+          </a:p>
+        </p:txBody>
+      </p:sp>
+      <p:cxnSp>
+        <p:nvCxnSpPr>
+          <p:cNvPr id="22" name="Straight Connector 21">
+            <a:extLst>
+              <a:ext uri="{FF2B5EF4-FFF2-40B4-BE49-F238E27FC236}">
+                <a16:creationId xmlns:a16="http://schemas.microsoft.com/office/drawing/2014/main" id="{38FB9660-F42F-4313-BBC4-47C007FE484C}"/>
+              </a:ext>
+              <a:ext uri="{C183D7F6-B498-43B3-948B-1728B52AA6E4}">
+                <adec:decorative xmlns:adec="http://schemas.microsoft.com/office/drawing/2017/decorative" val="1"/>
+              </a:ext>
+            </a:extLst>
+          </p:cNvPr>
+          <p:cNvCxnSpPr>
+            <a:cxnSpLocks noGrp="1" noRot="1" noChangeAspect="1" noMove="1" noResize="1" noEditPoints="1" noAdjustHandles="1" noChangeArrowheads="1" noChangeShapeType="1"/>
+          </p:cNvCxnSpPr>
+          <p:nvPr>
+            <p:extLst>
+              <p:ext uri="{386F3935-93C4-4BCD-93E2-E3B085C9AB24}">
+                <p16:designElem xmlns:p16="http://schemas.microsoft.com/office/powerpoint/2015/main" val="1"/>
+              </p:ext>
+            </p:extLst>
+          </p:nvPr>
+        </p:nvCxnSpPr>
+        <p:spPr>
+          <a:xfrm>
+            <a:off x="1191126" y="3910267"/>
+            <a:ext cx="2586790" cy="0"/>
+          </a:xfrm>
+          <a:prstGeom prst="line">
+            <a:avLst/>
+          </a:prstGeom>
+          <a:ln w="22225">
+            <a:solidFill>
+              <a:srgbClr val="D9D9D9"/>
+            </a:solidFill>
+          </a:ln>
+        </p:spPr>
+        <p:style>
+          <a:lnRef idx="1">
+            <a:schemeClr val="accent1"/>
+          </a:lnRef>
+          <a:fillRef idx="0">
+            <a:schemeClr val="accent1"/>
+          </a:fillRef>
+          <a:effectRef idx="0">
+            <a:schemeClr val="accent1"/>
+          </a:effectRef>
+          <a:fontRef idx="minor">
+            <a:schemeClr val="tx1"/>
+          </a:fontRef>
+        </p:style>
+      </p:cxnSp>
+      <p:sp>
+        <p:nvSpPr>
+          <p:cNvPr id="5" name="TextBox 4">
+            <a:extLst>
+              <a:ext uri="{FF2B5EF4-FFF2-40B4-BE49-F238E27FC236}">
+                <a16:creationId xmlns:a16="http://schemas.microsoft.com/office/drawing/2014/main" id="{B4CD2C6B-0E4F-42FE-AE2C-53B68EAA8E01}"/>
+              </a:ext>
+            </a:extLst>
+          </p:cNvPr>
+          <p:cNvSpPr txBox="1"/>
+          <p:nvPr/>
+        </p:nvSpPr>
+        <p:spPr>
+          <a:xfrm>
+            <a:off x="5539666" y="1296140"/>
+            <a:ext cx="45719" cy="369332"/>
+          </a:xfrm>
+          <a:prstGeom prst="rect">
+            <a:avLst/>
+          </a:prstGeom>
+          <a:noFill/>
+        </p:spPr>
+        <p:txBody>
+          <a:bodyPr wrap="square" rtlCol="0">
+            <a:spAutoFit/>
+          </a:bodyPr>
+          <a:lstStyle/>
+          <a:p>
+            <a:endParaRPr lang="ko-KR" altLang="en-US" dirty="0"/>
+          </a:p>
+        </p:txBody>
+      </p:sp>
+      <p:sp>
+        <p:nvSpPr>
+          <p:cNvPr id="6" name="TextBox 5">
+            <a:extLst>
+              <a:ext uri="{FF2B5EF4-FFF2-40B4-BE49-F238E27FC236}">
+                <a16:creationId xmlns:a16="http://schemas.microsoft.com/office/drawing/2014/main" id="{E9615E9F-518D-4118-A02F-93CB5AB62DD3}"/>
+              </a:ext>
+            </a:extLst>
+          </p:cNvPr>
+          <p:cNvSpPr txBox="1"/>
+          <p:nvPr/>
+        </p:nvSpPr>
+        <p:spPr>
+          <a:xfrm>
+            <a:off x="5539666" y="456298"/>
+            <a:ext cx="5495278" cy="5909310"/>
+          </a:xfrm>
+          <a:prstGeom prst="rect">
+            <a:avLst/>
+          </a:prstGeom>
+          <a:noFill/>
+        </p:spPr>
+        <p:txBody>
+          <a:bodyPr wrap="square" rtlCol="0">
+            <a:spAutoFit/>
+          </a:bodyPr>
+          <a:lstStyle/>
+          <a:p>
+            <a:r>
+              <a:rPr lang="en-US" altLang="ko-KR" dirty="0">
+                <a:latin typeface="D2Coding" panose="020B0609020101020101" pitchFamily="49" charset="-127"/>
+                <a:ea typeface="D2Coding" panose="020B0609020101020101" pitchFamily="49" charset="-127"/>
+              </a:rPr>
+              <a:t>&lt;iostream&gt;</a:t>
+            </a:r>
+            <a:r>
+              <a:rPr lang="ko-KR" altLang="en-US" dirty="0">
+                <a:latin typeface="D2Coding" panose="020B0609020101020101" pitchFamily="49" charset="-127"/>
+                <a:ea typeface="D2Coding" panose="020B0609020101020101" pitchFamily="49" charset="-127"/>
+              </a:rPr>
+              <a:t>을 포함</a:t>
+            </a:r>
+          </a:p>
+          <a:p>
+            <a:endParaRPr lang="ko-KR" altLang="en-US" dirty="0">
+              <a:latin typeface="D2Coding" panose="020B0609020101020101" pitchFamily="49" charset="-127"/>
+              <a:ea typeface="D2Coding" panose="020B0609020101020101" pitchFamily="49" charset="-127"/>
+            </a:endParaRPr>
+          </a:p>
+          <a:p>
+            <a:r>
+              <a:rPr lang="ko-KR" altLang="en-US" dirty="0">
+                <a:latin typeface="D2Coding" panose="020B0609020101020101" pitchFamily="49" charset="-127"/>
+                <a:ea typeface="D2Coding" panose="020B0609020101020101" pitchFamily="49" charset="-127"/>
+              </a:rPr>
+              <a:t>빈형 별</a:t>
+            </a:r>
+            <a:r>
+              <a:rPr lang="en-US" altLang="ko-KR" dirty="0">
+                <a:latin typeface="D2Coding" panose="020B0609020101020101" pitchFamily="49" charset="-127"/>
+                <a:ea typeface="D2Coding" panose="020B0609020101020101" pitchFamily="49" charset="-127"/>
+              </a:rPr>
+              <a:t>_</a:t>
+            </a:r>
+            <a:r>
+              <a:rPr lang="ko-KR" altLang="en-US" dirty="0">
+                <a:latin typeface="D2Coding" panose="020B0609020101020101" pitchFamily="49" charset="-127"/>
+                <a:ea typeface="D2Coding" panose="020B0609020101020101" pitchFamily="49" charset="-127"/>
+              </a:rPr>
+              <a:t>출력</a:t>
+            </a:r>
+            <a:r>
+              <a:rPr lang="en-US" altLang="ko-KR" dirty="0">
+                <a:latin typeface="D2Coding" panose="020B0609020101020101" pitchFamily="49" charset="-127"/>
+                <a:ea typeface="D2Coding" panose="020B0609020101020101" pitchFamily="49" charset="-127"/>
+              </a:rPr>
+              <a:t>(</a:t>
+            </a:r>
+            <a:r>
+              <a:rPr lang="ko-KR" altLang="en-US" dirty="0">
+                <a:latin typeface="D2Coding" panose="020B0609020101020101" pitchFamily="49" charset="-127"/>
+                <a:ea typeface="D2Coding" panose="020B0609020101020101" pitchFamily="49" charset="-127"/>
+              </a:rPr>
+              <a:t>정수형 </a:t>
+            </a:r>
+            <a:r>
+              <a:rPr lang="ko-KR" altLang="en-US" dirty="0" err="1">
+                <a:latin typeface="D2Coding" panose="020B0609020101020101" pitchFamily="49" charset="-127"/>
+                <a:ea typeface="D2Coding" panose="020B0609020101020101" pitchFamily="49" charset="-127"/>
+              </a:rPr>
+              <a:t>줄갯수</a:t>
+            </a:r>
+            <a:r>
+              <a:rPr lang="en-US" altLang="ko-KR" dirty="0">
+                <a:latin typeface="D2Coding" panose="020B0609020101020101" pitchFamily="49" charset="-127"/>
+                <a:ea typeface="D2Coding" panose="020B0609020101020101" pitchFamily="49" charset="-127"/>
+              </a:rPr>
+              <a:t>)</a:t>
+            </a:r>
+          </a:p>
+          <a:p>
+            <a:r>
+              <a:rPr lang="en-US" altLang="ko-KR" dirty="0">
+                <a:latin typeface="D2Coding" panose="020B0609020101020101" pitchFamily="49" charset="-127"/>
+                <a:ea typeface="D2Coding" panose="020B0609020101020101" pitchFamily="49" charset="-127"/>
+              </a:rPr>
+              <a:t>{</a:t>
+            </a:r>
+          </a:p>
+          <a:p>
+            <a:r>
+              <a:rPr lang="en-US" altLang="ko-KR" dirty="0">
+                <a:latin typeface="D2Coding" panose="020B0609020101020101" pitchFamily="49" charset="-127"/>
+                <a:ea typeface="D2Coding" panose="020B0609020101020101" pitchFamily="49" charset="-127"/>
+              </a:rPr>
+              <a:t>    </a:t>
+            </a:r>
+            <a:r>
+              <a:rPr lang="ko-KR" altLang="en-US" dirty="0">
+                <a:latin typeface="D2Coding" panose="020B0609020101020101" pitchFamily="49" charset="-127"/>
+                <a:ea typeface="D2Coding" panose="020B0609020101020101" pitchFamily="49" charset="-127"/>
+              </a:rPr>
+              <a:t>정수형 </a:t>
+            </a:r>
+            <a:r>
+              <a:rPr lang="en-US" altLang="ko-KR" dirty="0">
+                <a:latin typeface="D2Coding" panose="020B0609020101020101" pitchFamily="49" charset="-127"/>
+                <a:ea typeface="D2Coding" panose="020B0609020101020101" pitchFamily="49" charset="-127"/>
+              </a:rPr>
+              <a:t>'</a:t>
+            </a:r>
+            <a:r>
+              <a:rPr lang="ko-KR" altLang="en-US" dirty="0">
+                <a:latin typeface="D2Coding" panose="020B0609020101020101" pitchFamily="49" charset="-127"/>
+                <a:ea typeface="D2Coding" panose="020B0609020101020101" pitchFamily="49" charset="-127"/>
+              </a:rPr>
+              <a:t>반복자</a:t>
+            </a:r>
+            <a:r>
+              <a:rPr lang="en-US" altLang="ko-KR" dirty="0">
+                <a:latin typeface="D2Coding" panose="020B0609020101020101" pitchFamily="49" charset="-127"/>
+                <a:ea typeface="D2Coding" panose="020B0609020101020101" pitchFamily="49" charset="-127"/>
+              </a:rPr>
+              <a:t>1' </a:t>
+            </a:r>
+            <a:r>
+              <a:rPr lang="ko-KR" altLang="en-US" dirty="0">
+                <a:latin typeface="D2Coding" panose="020B0609020101020101" pitchFamily="49" charset="-127"/>
+                <a:ea typeface="D2Coding" panose="020B0609020101020101" pitchFamily="49" charset="-127"/>
+              </a:rPr>
+              <a:t>를 </a:t>
+            </a:r>
+            <a:r>
+              <a:rPr lang="en-US" altLang="ko-KR" dirty="0">
+                <a:latin typeface="D2Coding" panose="020B0609020101020101" pitchFamily="49" charset="-127"/>
+                <a:ea typeface="D2Coding" panose="020B0609020101020101" pitchFamily="49" charset="-127"/>
+              </a:rPr>
+              <a:t>0 </a:t>
+            </a:r>
+            <a:r>
+              <a:rPr lang="ko-KR" altLang="en-US" dirty="0">
+                <a:latin typeface="D2Coding" panose="020B0609020101020101" pitchFamily="49" charset="-127"/>
+                <a:ea typeface="D2Coding" panose="020B0609020101020101" pitchFamily="49" charset="-127"/>
+              </a:rPr>
+              <a:t>으로 생성 </a:t>
+            </a:r>
+            <a:r>
+              <a:rPr lang="en-US" altLang="ko-KR" dirty="0">
+                <a:latin typeface="D2Coding" panose="020B0609020101020101" pitchFamily="49" charset="-127"/>
+                <a:ea typeface="D2Coding" panose="020B0609020101020101" pitchFamily="49" charset="-127"/>
+              </a:rPr>
+              <a:t>.</a:t>
+            </a:r>
+          </a:p>
+          <a:p>
+            <a:r>
+              <a:rPr lang="en-US" altLang="ko-KR" dirty="0">
+                <a:latin typeface="D2Coding" panose="020B0609020101020101" pitchFamily="49" charset="-127"/>
+                <a:ea typeface="D2Coding" panose="020B0609020101020101" pitchFamily="49" charset="-127"/>
+              </a:rPr>
+              <a:t>    </a:t>
+            </a:r>
+            <a:r>
+              <a:rPr lang="ko-KR" altLang="en-US" dirty="0">
+                <a:latin typeface="D2Coding" panose="020B0609020101020101" pitchFamily="49" charset="-127"/>
+                <a:ea typeface="D2Coding" panose="020B0609020101020101" pitchFamily="49" charset="-127"/>
+              </a:rPr>
+              <a:t>정수형 </a:t>
+            </a:r>
+            <a:r>
+              <a:rPr lang="en-US" altLang="ko-KR" dirty="0">
+                <a:latin typeface="D2Coding" panose="020B0609020101020101" pitchFamily="49" charset="-127"/>
+                <a:ea typeface="D2Coding" panose="020B0609020101020101" pitchFamily="49" charset="-127"/>
+              </a:rPr>
+              <a:t>'</a:t>
+            </a:r>
+            <a:r>
+              <a:rPr lang="ko-KR" altLang="en-US" dirty="0">
+                <a:latin typeface="D2Coding" panose="020B0609020101020101" pitchFamily="49" charset="-127"/>
+                <a:ea typeface="D2Coding" panose="020B0609020101020101" pitchFamily="49" charset="-127"/>
+              </a:rPr>
+              <a:t>반복자</a:t>
+            </a:r>
+            <a:r>
+              <a:rPr lang="en-US" altLang="ko-KR" dirty="0">
+                <a:latin typeface="D2Coding" panose="020B0609020101020101" pitchFamily="49" charset="-127"/>
+                <a:ea typeface="D2Coding" panose="020B0609020101020101" pitchFamily="49" charset="-127"/>
+              </a:rPr>
+              <a:t>2' </a:t>
+            </a:r>
+            <a:r>
+              <a:rPr lang="ko-KR" altLang="en-US" dirty="0">
+                <a:latin typeface="D2Coding" panose="020B0609020101020101" pitchFamily="49" charset="-127"/>
+                <a:ea typeface="D2Coding" panose="020B0609020101020101" pitchFamily="49" charset="-127"/>
+              </a:rPr>
+              <a:t>를 </a:t>
+            </a:r>
+            <a:r>
+              <a:rPr lang="en-US" altLang="ko-KR" dirty="0">
+                <a:latin typeface="D2Coding" panose="020B0609020101020101" pitchFamily="49" charset="-127"/>
+                <a:ea typeface="D2Coding" panose="020B0609020101020101" pitchFamily="49" charset="-127"/>
+              </a:rPr>
+              <a:t>0 </a:t>
+            </a:r>
+            <a:r>
+              <a:rPr lang="ko-KR" altLang="en-US" dirty="0">
+                <a:latin typeface="D2Coding" panose="020B0609020101020101" pitchFamily="49" charset="-127"/>
+                <a:ea typeface="D2Coding" panose="020B0609020101020101" pitchFamily="49" charset="-127"/>
+              </a:rPr>
+              <a:t>으로 생성 </a:t>
+            </a:r>
+            <a:r>
+              <a:rPr lang="en-US" altLang="ko-KR" dirty="0">
+                <a:latin typeface="D2Coding" panose="020B0609020101020101" pitchFamily="49" charset="-127"/>
+                <a:ea typeface="D2Coding" panose="020B0609020101020101" pitchFamily="49" charset="-127"/>
+              </a:rPr>
+              <a:t>.</a:t>
+            </a:r>
+          </a:p>
+          <a:p>
+            <a:r>
+              <a:rPr lang="en-US" altLang="ko-KR" dirty="0">
+                <a:latin typeface="D2Coding" panose="020B0609020101020101" pitchFamily="49" charset="-127"/>
+                <a:ea typeface="D2Coding" panose="020B0609020101020101" pitchFamily="49" charset="-127"/>
+              </a:rPr>
+              <a:t>    </a:t>
+            </a:r>
+            <a:r>
+              <a:rPr lang="ko-KR" altLang="en-US" dirty="0" err="1">
+                <a:latin typeface="D2Coding" panose="020B0609020101020101" pitchFamily="49" charset="-127"/>
+                <a:ea typeface="D2Coding" panose="020B0609020101020101" pitchFamily="49" charset="-127"/>
+              </a:rPr>
+              <a:t>그치만</a:t>
+            </a:r>
+            <a:r>
+              <a:rPr lang="en-US" altLang="ko-KR" dirty="0">
+                <a:latin typeface="D2Coding" panose="020B0609020101020101" pitchFamily="49" charset="-127"/>
+                <a:ea typeface="D2Coding" panose="020B0609020101020101" pitchFamily="49" charset="-127"/>
+              </a:rPr>
+              <a:t>( </a:t>
+            </a:r>
+            <a:r>
+              <a:rPr lang="ko-KR" altLang="en-US" dirty="0">
+                <a:latin typeface="D2Coding" panose="020B0609020101020101" pitchFamily="49" charset="-127"/>
+                <a:ea typeface="D2Coding" panose="020B0609020101020101" pitchFamily="49" charset="-127"/>
+              </a:rPr>
+              <a:t>반복자</a:t>
+            </a:r>
+            <a:r>
+              <a:rPr lang="en-US" altLang="ko-KR" dirty="0">
+                <a:latin typeface="D2Coding" panose="020B0609020101020101" pitchFamily="49" charset="-127"/>
+                <a:ea typeface="D2Coding" panose="020B0609020101020101" pitchFamily="49" charset="-127"/>
+              </a:rPr>
+              <a:t>1 &lt; </a:t>
+            </a:r>
+            <a:r>
+              <a:rPr lang="ko-KR" altLang="en-US" dirty="0" err="1">
+                <a:latin typeface="D2Coding" panose="020B0609020101020101" pitchFamily="49" charset="-127"/>
+                <a:ea typeface="D2Coding" panose="020B0609020101020101" pitchFamily="49" charset="-127"/>
+              </a:rPr>
+              <a:t>줄갯수</a:t>
+            </a:r>
+            <a:r>
+              <a:rPr lang="en-US" altLang="ko-KR" dirty="0">
+                <a:latin typeface="D2Coding" panose="020B0609020101020101" pitchFamily="49" charset="-127"/>
+                <a:ea typeface="D2Coding" panose="020B0609020101020101" pitchFamily="49" charset="-127"/>
+              </a:rPr>
+              <a:t>) </a:t>
+            </a:r>
+            <a:r>
+              <a:rPr lang="ko-KR" altLang="en-US" dirty="0">
+                <a:latin typeface="D2Coding" panose="020B0609020101020101" pitchFamily="49" charset="-127"/>
+                <a:ea typeface="D2Coding" panose="020B0609020101020101" pitchFamily="49" charset="-127"/>
+              </a:rPr>
+              <a:t>하면</a:t>
+            </a:r>
+          </a:p>
+          <a:p>
+            <a:r>
+              <a:rPr lang="ko-KR" altLang="en-US" dirty="0">
+                <a:latin typeface="D2Coding" panose="020B0609020101020101" pitchFamily="49" charset="-127"/>
+                <a:ea typeface="D2Coding" panose="020B0609020101020101" pitchFamily="49" charset="-127"/>
+              </a:rPr>
+              <a:t>    </a:t>
+            </a:r>
+            <a:r>
+              <a:rPr lang="en-US" altLang="ko-KR" dirty="0">
+                <a:latin typeface="D2Coding" panose="020B0609020101020101" pitchFamily="49" charset="-127"/>
+                <a:ea typeface="D2Coding" panose="020B0609020101020101" pitchFamily="49" charset="-127"/>
+              </a:rPr>
+              <a:t>{</a:t>
+            </a:r>
+          </a:p>
+          <a:p>
+            <a:r>
+              <a:rPr lang="en-US" altLang="ko-KR" dirty="0">
+                <a:latin typeface="D2Coding" panose="020B0609020101020101" pitchFamily="49" charset="-127"/>
+                <a:ea typeface="D2Coding" panose="020B0609020101020101" pitchFamily="49" charset="-127"/>
+              </a:rPr>
+              <a:t>        </a:t>
+            </a:r>
+            <a:r>
+              <a:rPr lang="ko-KR" altLang="en-US" dirty="0" err="1">
+                <a:latin typeface="D2Coding" panose="020B0609020101020101" pitchFamily="49" charset="-127"/>
+                <a:ea typeface="D2Coding" panose="020B0609020101020101" pitchFamily="49" charset="-127"/>
+              </a:rPr>
+              <a:t>그치만</a:t>
+            </a:r>
+            <a:r>
+              <a:rPr lang="en-US" altLang="ko-KR" dirty="0">
+                <a:latin typeface="D2Coding" panose="020B0609020101020101" pitchFamily="49" charset="-127"/>
+                <a:ea typeface="D2Coding" panose="020B0609020101020101" pitchFamily="49" charset="-127"/>
+              </a:rPr>
+              <a:t>(</a:t>
+            </a:r>
+            <a:r>
+              <a:rPr lang="ko-KR" altLang="en-US" dirty="0">
+                <a:latin typeface="D2Coding" panose="020B0609020101020101" pitchFamily="49" charset="-127"/>
+                <a:ea typeface="D2Coding" panose="020B0609020101020101" pitchFamily="49" charset="-127"/>
+              </a:rPr>
+              <a:t>반복자</a:t>
+            </a:r>
+            <a:r>
+              <a:rPr lang="en-US" altLang="ko-KR" dirty="0">
+                <a:latin typeface="D2Coding" panose="020B0609020101020101" pitchFamily="49" charset="-127"/>
+                <a:ea typeface="D2Coding" panose="020B0609020101020101" pitchFamily="49" charset="-127"/>
+              </a:rPr>
+              <a:t>2 &lt;= </a:t>
+            </a:r>
+            <a:r>
+              <a:rPr lang="ko-KR" altLang="en-US" dirty="0">
+                <a:latin typeface="D2Coding" panose="020B0609020101020101" pitchFamily="49" charset="-127"/>
+                <a:ea typeface="D2Coding" panose="020B0609020101020101" pitchFamily="49" charset="-127"/>
+              </a:rPr>
+              <a:t>반복자</a:t>
+            </a:r>
+            <a:r>
+              <a:rPr lang="en-US" altLang="ko-KR" dirty="0">
+                <a:latin typeface="D2Coding" panose="020B0609020101020101" pitchFamily="49" charset="-127"/>
+                <a:ea typeface="D2Coding" panose="020B0609020101020101" pitchFamily="49" charset="-127"/>
+              </a:rPr>
+              <a:t>1) </a:t>
+            </a:r>
+            <a:r>
+              <a:rPr lang="ko-KR" altLang="en-US" dirty="0">
+                <a:latin typeface="D2Coding" panose="020B0609020101020101" pitchFamily="49" charset="-127"/>
+                <a:ea typeface="D2Coding" panose="020B0609020101020101" pitchFamily="49" charset="-127"/>
+              </a:rPr>
+              <a:t>하면</a:t>
+            </a:r>
+          </a:p>
+          <a:p>
+            <a:r>
+              <a:rPr lang="ko-KR" altLang="en-US" dirty="0">
+                <a:latin typeface="D2Coding" panose="020B0609020101020101" pitchFamily="49" charset="-127"/>
+                <a:ea typeface="D2Coding" panose="020B0609020101020101" pitchFamily="49" charset="-127"/>
+              </a:rPr>
+              <a:t>        </a:t>
+            </a:r>
+            <a:r>
+              <a:rPr lang="en-US" altLang="ko-KR" dirty="0">
+                <a:latin typeface="D2Coding" panose="020B0609020101020101" pitchFamily="49" charset="-127"/>
+                <a:ea typeface="D2Coding" panose="020B0609020101020101" pitchFamily="49" charset="-127"/>
+              </a:rPr>
+              <a:t>{</a:t>
+            </a:r>
+          </a:p>
+          <a:p>
+            <a:r>
+              <a:rPr lang="en-US" altLang="ko-KR" dirty="0">
+                <a:latin typeface="D2Coding" panose="020B0609020101020101" pitchFamily="49" charset="-127"/>
+                <a:ea typeface="D2Coding" panose="020B0609020101020101" pitchFamily="49" charset="-127"/>
+              </a:rPr>
+              <a:t>        * </a:t>
+            </a:r>
+            <a:r>
+              <a:rPr lang="ko-KR" altLang="en-US" dirty="0">
+                <a:latin typeface="D2Coding" panose="020B0609020101020101" pitchFamily="49" charset="-127"/>
+                <a:ea typeface="D2Coding" panose="020B0609020101020101" pitchFamily="49" charset="-127"/>
+              </a:rPr>
+              <a:t>을 출력 </a:t>
+            </a:r>
+            <a:r>
+              <a:rPr lang="en-US" altLang="ko-KR" dirty="0">
+                <a:latin typeface="D2Coding" panose="020B0609020101020101" pitchFamily="49" charset="-127"/>
+                <a:ea typeface="D2Coding" panose="020B0609020101020101" pitchFamily="49" charset="-127"/>
+              </a:rPr>
+              <a:t>.</a:t>
+            </a:r>
+          </a:p>
+          <a:p>
+            <a:r>
+              <a:rPr lang="en-US" altLang="ko-KR" dirty="0">
+                <a:latin typeface="D2Coding" panose="020B0609020101020101" pitchFamily="49" charset="-127"/>
+                <a:ea typeface="D2Coding" panose="020B0609020101020101" pitchFamily="49" charset="-127"/>
+              </a:rPr>
+              <a:t>        }</a:t>
+            </a:r>
+          </a:p>
+          <a:p>
+            <a:r>
+              <a:rPr lang="en-US" altLang="ko-KR" dirty="0">
+                <a:latin typeface="D2Coding" panose="020B0609020101020101" pitchFamily="49" charset="-127"/>
+                <a:ea typeface="D2Coding" panose="020B0609020101020101" pitchFamily="49" charset="-127"/>
+              </a:rPr>
+              <a:t>    '\n'</a:t>
+            </a:r>
+            <a:r>
+              <a:rPr lang="ko-KR" altLang="en-US" dirty="0">
+                <a:latin typeface="D2Coding" panose="020B0609020101020101" pitchFamily="49" charset="-127"/>
+                <a:ea typeface="D2Coding" panose="020B0609020101020101" pitchFamily="49" charset="-127"/>
+              </a:rPr>
+              <a:t>을 출력 </a:t>
+            </a:r>
+            <a:r>
+              <a:rPr lang="en-US" altLang="ko-KR" dirty="0">
+                <a:latin typeface="D2Coding" panose="020B0609020101020101" pitchFamily="49" charset="-127"/>
+                <a:ea typeface="D2Coding" panose="020B0609020101020101" pitchFamily="49" charset="-127"/>
+              </a:rPr>
+              <a:t>. </a:t>
+            </a:r>
+          </a:p>
+          <a:p>
+            <a:r>
+              <a:rPr lang="en-US" altLang="ko-KR" dirty="0">
+                <a:latin typeface="D2Coding" panose="020B0609020101020101" pitchFamily="49" charset="-127"/>
+                <a:ea typeface="D2Coding" panose="020B0609020101020101" pitchFamily="49" charset="-127"/>
+              </a:rPr>
+              <a:t>}</a:t>
+            </a:r>
+          </a:p>
+          <a:p>
+            <a:endParaRPr lang="en-US" altLang="ko-KR" dirty="0">
+              <a:latin typeface="D2Coding" panose="020B0609020101020101" pitchFamily="49" charset="-127"/>
+              <a:ea typeface="D2Coding" panose="020B0609020101020101" pitchFamily="49" charset="-127"/>
+            </a:endParaRPr>
+          </a:p>
+          <a:p>
+            <a:r>
+              <a:rPr lang="ko-KR" altLang="en-US" dirty="0">
+                <a:latin typeface="D2Coding" panose="020B0609020101020101" pitchFamily="49" charset="-127"/>
+                <a:ea typeface="D2Coding" panose="020B0609020101020101" pitchFamily="49" charset="-127"/>
+              </a:rPr>
+              <a:t>시작</a:t>
+            </a:r>
+          </a:p>
+          <a:p>
+            <a:r>
+              <a:rPr lang="en-US" altLang="ko-KR" dirty="0">
+                <a:latin typeface="D2Coding" panose="020B0609020101020101" pitchFamily="49" charset="-127"/>
+                <a:ea typeface="D2Coding" panose="020B0609020101020101" pitchFamily="49" charset="-127"/>
+              </a:rPr>
+              <a:t>{</a:t>
+            </a:r>
+          </a:p>
+          <a:p>
+            <a:r>
+              <a:rPr lang="en-US" altLang="ko-KR" dirty="0">
+                <a:latin typeface="D2Coding" panose="020B0609020101020101" pitchFamily="49" charset="-127"/>
+                <a:ea typeface="D2Coding" panose="020B0609020101020101" pitchFamily="49" charset="-127"/>
+              </a:rPr>
+              <a:t>    </a:t>
+            </a:r>
+            <a:r>
+              <a:rPr lang="ko-KR" altLang="en-US" dirty="0">
+                <a:latin typeface="D2Coding" panose="020B0609020101020101" pitchFamily="49" charset="-127"/>
+                <a:ea typeface="D2Coding" panose="020B0609020101020101" pitchFamily="49" charset="-127"/>
+              </a:rPr>
+              <a:t>정수형 </a:t>
+            </a:r>
+            <a:r>
+              <a:rPr lang="en-US" altLang="ko-KR" dirty="0">
+                <a:latin typeface="D2Coding" panose="020B0609020101020101" pitchFamily="49" charset="-127"/>
+                <a:ea typeface="D2Coding" panose="020B0609020101020101" pitchFamily="49" charset="-127"/>
+              </a:rPr>
+              <a:t>'</a:t>
+            </a:r>
+            <a:r>
+              <a:rPr lang="ko-KR" altLang="en-US" dirty="0">
+                <a:latin typeface="D2Coding" panose="020B0609020101020101" pitchFamily="49" charset="-127"/>
+                <a:ea typeface="D2Coding" panose="020B0609020101020101" pitchFamily="49" charset="-127"/>
+              </a:rPr>
+              <a:t>입력용</a:t>
+            </a:r>
+            <a:r>
+              <a:rPr lang="en-US" altLang="ko-KR" dirty="0">
+                <a:latin typeface="D2Coding" panose="020B0609020101020101" pitchFamily="49" charset="-127"/>
+                <a:ea typeface="D2Coding" panose="020B0609020101020101" pitchFamily="49" charset="-127"/>
+              </a:rPr>
+              <a:t>_</a:t>
+            </a:r>
+            <a:r>
+              <a:rPr lang="ko-KR" altLang="en-US" dirty="0">
+                <a:latin typeface="D2Coding" panose="020B0609020101020101" pitchFamily="49" charset="-127"/>
+                <a:ea typeface="D2Coding" panose="020B0609020101020101" pitchFamily="49" charset="-127"/>
+              </a:rPr>
+              <a:t>변수</a:t>
+            </a:r>
+            <a:r>
+              <a:rPr lang="en-US" altLang="ko-KR" dirty="0">
+                <a:latin typeface="D2Coding" panose="020B0609020101020101" pitchFamily="49" charset="-127"/>
+                <a:ea typeface="D2Coding" panose="020B0609020101020101" pitchFamily="49" charset="-127"/>
+              </a:rPr>
+              <a:t>' </a:t>
+            </a:r>
+            <a:r>
+              <a:rPr lang="ko-KR" altLang="en-US" dirty="0">
+                <a:latin typeface="D2Coding" panose="020B0609020101020101" pitchFamily="49" charset="-127"/>
+                <a:ea typeface="D2Coding" panose="020B0609020101020101" pitchFamily="49" charset="-127"/>
+              </a:rPr>
+              <a:t>생성 </a:t>
+            </a:r>
+            <a:r>
+              <a:rPr lang="en-US" altLang="ko-KR" dirty="0">
+                <a:latin typeface="D2Coding" panose="020B0609020101020101" pitchFamily="49" charset="-127"/>
+                <a:ea typeface="D2Coding" panose="020B0609020101020101" pitchFamily="49" charset="-127"/>
+              </a:rPr>
+              <a:t>.</a:t>
+            </a:r>
+          </a:p>
+          <a:p>
+            <a:r>
+              <a:rPr lang="en-US" altLang="ko-KR" dirty="0">
+                <a:latin typeface="D2Coding" panose="020B0609020101020101" pitchFamily="49" charset="-127"/>
+                <a:ea typeface="D2Coding" panose="020B0609020101020101" pitchFamily="49" charset="-127"/>
+              </a:rPr>
+              <a:t>    </a:t>
+            </a:r>
+            <a:r>
+              <a:rPr lang="ko-KR" altLang="en-US" dirty="0">
+                <a:latin typeface="D2Coding" panose="020B0609020101020101" pitchFamily="49" charset="-127"/>
+                <a:ea typeface="D2Coding" panose="020B0609020101020101" pitchFamily="49" charset="-127"/>
+              </a:rPr>
+              <a:t>입력용</a:t>
+            </a:r>
+            <a:r>
+              <a:rPr lang="en-US" altLang="ko-KR" dirty="0">
+                <a:latin typeface="D2Coding" panose="020B0609020101020101" pitchFamily="49" charset="-127"/>
+                <a:ea typeface="D2Coding" panose="020B0609020101020101" pitchFamily="49" charset="-127"/>
+              </a:rPr>
+              <a:t>_</a:t>
+            </a:r>
+            <a:r>
+              <a:rPr lang="ko-KR" altLang="en-US" dirty="0">
+                <a:latin typeface="D2Coding" panose="020B0609020101020101" pitchFamily="49" charset="-127"/>
+                <a:ea typeface="D2Coding" panose="020B0609020101020101" pitchFamily="49" charset="-127"/>
+              </a:rPr>
+              <a:t>변수 입력 받아 </a:t>
+            </a:r>
+            <a:r>
+              <a:rPr lang="en-US" altLang="ko-KR" dirty="0">
+                <a:latin typeface="D2Coding" panose="020B0609020101020101" pitchFamily="49" charset="-127"/>
+                <a:ea typeface="D2Coding" panose="020B0609020101020101" pitchFamily="49" charset="-127"/>
+              </a:rPr>
+              <a:t>.</a:t>
+            </a:r>
+          </a:p>
+          <a:p>
+            <a:r>
+              <a:rPr lang="en-US" altLang="ko-KR" dirty="0">
+                <a:latin typeface="D2Coding" panose="020B0609020101020101" pitchFamily="49" charset="-127"/>
+                <a:ea typeface="D2Coding" panose="020B0609020101020101" pitchFamily="49" charset="-127"/>
+              </a:rPr>
+              <a:t>    </a:t>
+            </a:r>
+            <a:r>
+              <a:rPr lang="ko-KR" altLang="en-US" dirty="0">
+                <a:latin typeface="D2Coding" panose="020B0609020101020101" pitchFamily="49" charset="-127"/>
+                <a:ea typeface="D2Coding" panose="020B0609020101020101" pitchFamily="49" charset="-127"/>
+              </a:rPr>
+              <a:t>별</a:t>
+            </a:r>
+            <a:r>
+              <a:rPr lang="en-US" altLang="ko-KR" dirty="0">
+                <a:latin typeface="D2Coding" panose="020B0609020101020101" pitchFamily="49" charset="-127"/>
+                <a:ea typeface="D2Coding" panose="020B0609020101020101" pitchFamily="49" charset="-127"/>
+              </a:rPr>
+              <a:t>_</a:t>
+            </a:r>
+            <a:r>
+              <a:rPr lang="ko-KR" altLang="en-US" dirty="0">
+                <a:latin typeface="D2Coding" panose="020B0609020101020101" pitchFamily="49" charset="-127"/>
+                <a:ea typeface="D2Coding" panose="020B0609020101020101" pitchFamily="49" charset="-127"/>
+              </a:rPr>
+              <a:t>출력 </a:t>
+            </a:r>
+            <a:r>
+              <a:rPr lang="en-US" altLang="ko-KR" dirty="0">
+                <a:latin typeface="D2Coding" panose="020B0609020101020101" pitchFamily="49" charset="-127"/>
+                <a:ea typeface="D2Coding" panose="020B0609020101020101" pitchFamily="49" charset="-127"/>
+              </a:rPr>
+              <a:t>(</a:t>
+            </a:r>
+            <a:r>
+              <a:rPr lang="ko-KR" altLang="en-US" dirty="0">
+                <a:latin typeface="D2Coding" panose="020B0609020101020101" pitchFamily="49" charset="-127"/>
+                <a:ea typeface="D2Coding" panose="020B0609020101020101" pitchFamily="49" charset="-127"/>
+              </a:rPr>
+              <a:t>입력용</a:t>
+            </a:r>
+            <a:r>
+              <a:rPr lang="en-US" altLang="ko-KR" dirty="0">
+                <a:latin typeface="D2Coding" panose="020B0609020101020101" pitchFamily="49" charset="-127"/>
+                <a:ea typeface="D2Coding" panose="020B0609020101020101" pitchFamily="49" charset="-127"/>
+              </a:rPr>
+              <a:t>_</a:t>
+            </a:r>
+            <a:r>
+              <a:rPr lang="ko-KR" altLang="en-US" dirty="0">
+                <a:latin typeface="D2Coding" panose="020B0609020101020101" pitchFamily="49" charset="-127"/>
+                <a:ea typeface="D2Coding" panose="020B0609020101020101" pitchFamily="49" charset="-127"/>
+              </a:rPr>
+              <a:t>변수</a:t>
+            </a:r>
+            <a:r>
+              <a:rPr lang="en-US" altLang="ko-KR" dirty="0">
+                <a:latin typeface="D2Coding" panose="020B0609020101020101" pitchFamily="49" charset="-127"/>
+                <a:ea typeface="D2Coding" panose="020B0609020101020101" pitchFamily="49" charset="-127"/>
+              </a:rPr>
+              <a:t>) .</a:t>
+            </a:r>
+          </a:p>
+          <a:p>
+            <a:r>
+              <a:rPr lang="en-US" altLang="ko-KR" dirty="0">
+                <a:latin typeface="D2Coding" panose="020B0609020101020101" pitchFamily="49" charset="-127"/>
+                <a:ea typeface="D2Coding" panose="020B0609020101020101" pitchFamily="49" charset="-127"/>
+              </a:rPr>
+              <a:t>}</a:t>
+            </a:r>
+            <a:endParaRPr lang="ko-KR" altLang="en-US" dirty="0">
+              <a:latin typeface="D2Coding" panose="020B0609020101020101" pitchFamily="49" charset="-127"/>
+              <a:ea typeface="D2Coding" panose="020B0609020101020101" pitchFamily="49" charset="-127"/>
+            </a:endParaRPr>
+          </a:p>
+        </p:txBody>
+      </p:sp>
+    </p:spTree>
+    <p:extLst>
+      <p:ext uri="{BB962C8B-B14F-4D97-AF65-F5344CB8AC3E}">
+        <p14:creationId xmlns:p14="http://schemas.microsoft.com/office/powerpoint/2010/main" val="3387072808"/>
+      </p:ext>
+    </p:extLst>
+  </p:cSld>
+  <p:clrMapOvr>
+    <a:masterClrMapping/>
+  </p:clrMapOvr>
+</p:sld>
+</file>
+
+<file path=ppt/slides/slide12.xml><?xml version="1.0" encoding="utf-8"?>
+<p:sld xmlns:a="http://schemas.openxmlformats.org/drawingml/2006/main" xmlns:r="http://schemas.openxmlformats.org/officeDocument/2006/relationships" xmlns:p="http://schemas.openxmlformats.org/presentationml/2006/main">
+  <p:cSld>
     <p:spTree>
       <p:nvGrpSpPr>
         <p:cNvPr id="1" name=""/>
@@ -3870,7 +4811,7 @@
 </p:sld>
 </file>
 
-<file path=ppt/slides/slide12.xml><?xml version="1.0" encoding="utf-8"?>
+<file path=ppt/slides/slide13.xml><?xml version="1.0" encoding="utf-8"?>
 <p:sld xmlns:a="http://schemas.openxmlformats.org/drawingml/2006/main" xmlns:r="http://schemas.openxmlformats.org/officeDocument/2006/relationships" xmlns:p="http://schemas.openxmlformats.org/presentationml/2006/main">
   <p:cSld>
     <p:spTree>
@@ -4149,36 +5090,33 @@
                 <a:latin typeface="210 콤퓨타세탁 L" panose="02020603020101020101" pitchFamily="18" charset="-127"/>
                 <a:ea typeface="210 콤퓨타세탁 L" panose="02020603020101020101" pitchFamily="18" charset="-127"/>
               </a:rPr>
-              <a:t>4. C++</a:t>
-            </a:r>
-            <a:r>
-              <a:rPr lang="ko-KR" altLang="en-US" dirty="0">
-                <a:latin typeface="210 콤퓨타세탁 L" panose="02020603020101020101" pitchFamily="18" charset="-127"/>
-                <a:ea typeface="210 콤퓨타세탁 L" panose="02020603020101020101" pitchFamily="18" charset="-127"/>
-              </a:rPr>
-              <a:t>로 변환하는데 </a:t>
-            </a:r>
-            <a:r>
-              <a:rPr lang="en-US" altLang="ko-KR" dirty="0">
-                <a:latin typeface="210 콤퓨타세탁 L" panose="02020603020101020101" pitchFamily="18" charset="-127"/>
-                <a:ea typeface="210 콤퓨타세탁 L" panose="02020603020101020101" pitchFamily="18" charset="-127"/>
-              </a:rPr>
-              <a:t>namespace</a:t>
-            </a:r>
-            <a:r>
-              <a:rPr lang="ko-KR" altLang="en-US" dirty="0">
-                <a:latin typeface="210 콤퓨타세탁 L" panose="02020603020101020101" pitchFamily="18" charset="-127"/>
-                <a:ea typeface="210 콤퓨타세탁 L" panose="02020603020101020101" pitchFamily="18" charset="-127"/>
-              </a:rPr>
-              <a:t>를 안 만들었다</a:t>
-            </a:r>
-            <a:r>
-              <a:rPr lang="en-US" altLang="ko-KR" dirty="0">
-                <a:latin typeface="210 콤퓨타세탁 L" panose="02020603020101020101" pitchFamily="18" charset="-127"/>
-                <a:ea typeface="210 콤퓨타세탁 L" panose="02020603020101020101" pitchFamily="18" charset="-127"/>
-              </a:rPr>
-              <a:t>…</a:t>
-            </a:r>
+              <a:t>4. Namespace </a:t>
+            </a:r>
+            <a:r>
+              <a:rPr lang="ko-KR" altLang="en-US" dirty="0">
+                <a:latin typeface="210 콤퓨타세탁 L" panose="02020603020101020101" pitchFamily="18" charset="-127"/>
+                <a:ea typeface="210 콤퓨타세탁 L" panose="02020603020101020101" pitchFamily="18" charset="-127"/>
+              </a:rPr>
+              <a:t>및 </a:t>
+            </a:r>
+            <a:r>
+              <a:rPr lang="en-US" altLang="ko-KR" dirty="0">
+                <a:latin typeface="210 콤퓨타세탁 L" panose="02020603020101020101" pitchFamily="18" charset="-127"/>
+                <a:ea typeface="210 콤퓨타세탁 L" panose="02020603020101020101" pitchFamily="18" charset="-127"/>
+              </a:rPr>
+              <a:t>class </a:t>
+            </a:r>
+            <a:r>
+              <a:rPr lang="ko-KR" altLang="en-US" dirty="0">
+                <a:latin typeface="210 콤퓨타세탁 L" panose="02020603020101020101" pitchFamily="18" charset="-127"/>
+                <a:ea typeface="210 콤퓨타세탁 L" panose="02020603020101020101" pitchFamily="18" charset="-127"/>
+              </a:rPr>
+              <a:t>구현 필요</a:t>
+            </a:r>
+            <a:endParaRPr lang="en-US" altLang="ko-KR" dirty="0">
+              <a:latin typeface="210 콤퓨타세탁 L" panose="02020603020101020101" pitchFamily="18" charset="-127"/>
+              <a:ea typeface="210 콤퓨타세탁 L" panose="02020603020101020101" pitchFamily="18" charset="-127"/>
+            </a:endParaRPr>
           </a:p>
           <a:p>
             <a:pPr marL="0" indent="0">
@@ -4196,29 +5134,82 @@
                 <a:latin typeface="210 콤퓨타세탁 L" panose="02020603020101020101" pitchFamily="18" charset="-127"/>
                 <a:ea typeface="210 콤퓨타세탁 L" panose="02020603020101020101" pitchFamily="18" charset="-127"/>
               </a:rPr>
-              <a:t>그리고 입출력도 안 만들었다</a:t>
-            </a:r>
-            <a:r>
-              <a:rPr lang="en-US" altLang="ko-KR" dirty="0">
-                <a:latin typeface="210 콤퓨타세탁 L" panose="02020603020101020101" pitchFamily="18" charset="-127"/>
-                <a:ea typeface="210 콤퓨타세탁 L" panose="02020603020101020101" pitchFamily="18" charset="-127"/>
-              </a:rPr>
-              <a:t>… hello world! </a:t>
-            </a:r>
-            <a:r>
-              <a:rPr lang="ko-KR" altLang="en-US" dirty="0">
-                <a:latin typeface="210 콤퓨타세탁 L" panose="02020603020101020101" pitchFamily="18" charset="-127"/>
-                <a:ea typeface="210 콤퓨타세탁 L" panose="02020603020101020101" pitchFamily="18" charset="-127"/>
-              </a:rPr>
-              <a:t>를 못함</a:t>
-            </a:r>
-            <a:r>
-              <a:rPr lang="en-US" altLang="ko-KR" dirty="0">
-                <a:latin typeface="210 콤퓨타세탁 L" panose="02020603020101020101" pitchFamily="18" charset="-127"/>
-                <a:ea typeface="210 콤퓨타세탁 L" panose="02020603020101020101" pitchFamily="18" charset="-127"/>
-              </a:rPr>
-              <a:t>.</a:t>
-            </a:r>
+              <a:t>입출력 </a:t>
+            </a:r>
+            <a:r>
+              <a:rPr lang="en-US" altLang="ko-KR" dirty="0">
+                <a:latin typeface="210 콤퓨타세탁 L" panose="02020603020101020101" pitchFamily="18" charset="-127"/>
+                <a:ea typeface="210 콤퓨타세탁 L" panose="02020603020101020101" pitchFamily="18" charset="-127"/>
+              </a:rPr>
+              <a:t>(</a:t>
+            </a:r>
+            <a:r>
+              <a:rPr lang="en-US" altLang="ko-KR" dirty="0" err="1">
+                <a:latin typeface="210 콤퓨타세탁 L" panose="02020603020101020101" pitchFamily="18" charset="-127"/>
+                <a:ea typeface="210 콤퓨타세탁 L" panose="02020603020101020101" pitchFamily="18" charset="-127"/>
+              </a:rPr>
+              <a:t>cin</a:t>
+            </a:r>
+            <a:r>
+              <a:rPr lang="en-US" altLang="ko-KR" dirty="0">
+                <a:latin typeface="210 콤퓨타세탁 L" panose="02020603020101020101" pitchFamily="18" charset="-127"/>
+                <a:ea typeface="210 콤퓨타세탁 L" panose="02020603020101020101" pitchFamily="18" charset="-127"/>
+              </a:rPr>
+              <a:t>, </a:t>
+            </a:r>
+            <a:r>
+              <a:rPr lang="en-US" altLang="ko-KR" dirty="0" err="1">
+                <a:latin typeface="210 콤퓨타세탁 L" panose="02020603020101020101" pitchFamily="18" charset="-127"/>
+                <a:ea typeface="210 콤퓨타세탁 L" panose="02020603020101020101" pitchFamily="18" charset="-127"/>
+              </a:rPr>
+              <a:t>cout</a:t>
+            </a:r>
+            <a:r>
+              <a:rPr lang="en-US" altLang="ko-KR" dirty="0">
+                <a:latin typeface="210 콤퓨타세탁 L" panose="02020603020101020101" pitchFamily="18" charset="-127"/>
+                <a:ea typeface="210 콤퓨타세탁 L" panose="02020603020101020101" pitchFamily="18" charset="-127"/>
+              </a:rPr>
+              <a:t>, </a:t>
+            </a:r>
+            <a:r>
+              <a:rPr lang="en-US" altLang="ko-KR" dirty="0" err="1">
+                <a:latin typeface="210 콤퓨타세탁 L" panose="02020603020101020101" pitchFamily="18" charset="-127"/>
+                <a:ea typeface="210 콤퓨타세탁 L" panose="02020603020101020101" pitchFamily="18" charset="-127"/>
+              </a:rPr>
+              <a:t>printf</a:t>
+            </a:r>
+            <a:r>
+              <a:rPr lang="en-US" altLang="ko-KR" dirty="0">
+                <a:latin typeface="210 콤퓨타세탁 L" panose="02020603020101020101" pitchFamily="18" charset="-127"/>
+                <a:ea typeface="210 콤퓨타세탁 L" panose="02020603020101020101" pitchFamily="18" charset="-127"/>
+              </a:rPr>
+              <a:t> </a:t>
+            </a:r>
+            <a:r>
+              <a:rPr lang="ko-KR" altLang="en-US" dirty="0">
+                <a:latin typeface="210 콤퓨타세탁 L" panose="02020603020101020101" pitchFamily="18" charset="-127"/>
+                <a:ea typeface="210 콤퓨타세탁 L" panose="02020603020101020101" pitchFamily="18" charset="-127"/>
+              </a:rPr>
+              <a:t>등</a:t>
+            </a:r>
+            <a:r>
+              <a:rPr lang="en-US" altLang="ko-KR" dirty="0">
+                <a:latin typeface="210 콤퓨타세탁 L" panose="02020603020101020101" pitchFamily="18" charset="-127"/>
+                <a:ea typeface="210 콤퓨타세탁 L" panose="02020603020101020101" pitchFamily="18" charset="-127"/>
+              </a:rPr>
+              <a:t>..)</a:t>
+            </a:r>
+            <a:r>
+              <a:rPr lang="ko-KR" altLang="en-US" dirty="0">
+                <a:latin typeface="210 콤퓨타세탁 L" panose="02020603020101020101" pitchFamily="18" charset="-127"/>
+                <a:ea typeface="210 콤퓨타세탁 L" panose="02020603020101020101" pitchFamily="18" charset="-127"/>
+              </a:rPr>
+              <a:t>의 구현 필요</a:t>
+            </a:r>
+            <a:endParaRPr lang="en-US" altLang="ko-KR" dirty="0">
+              <a:latin typeface="210 콤퓨타세탁 L" panose="02020603020101020101" pitchFamily="18" charset="-127"/>
+              <a:ea typeface="210 콤퓨타세탁 L" panose="02020603020101020101" pitchFamily="18" charset="-127"/>
+            </a:endParaRPr>
           </a:p>
           <a:p>
             <a:pPr marL="0" indent="0">
@@ -4274,7 +5265,7 @@
 </p:sld>
 </file>
 
-<file path=ppt/slides/slide13.xml><?xml version="1.0" encoding="utf-8"?>
+<file path=ppt/slides/slide14.xml><?xml version="1.0" encoding="utf-8"?>
 <p:sld xmlns:a="http://schemas.openxmlformats.org/drawingml/2006/main" xmlns:r="http://schemas.openxmlformats.org/officeDocument/2006/relationships" xmlns:p="http://schemas.openxmlformats.org/presentationml/2006/main">
   <p:cSld>
     <p:spTree>
